--- a/Week2/Day2/SQL_Introduction.pptx
+++ b/Week2/Day2/SQL_Introduction.pptx
@@ -312,7 +312,7 @@
           <a:p>
             <a:fld id="{88D38747-4367-4BD2-8D51-C97E202738E2}" type="datetime1">
               <a:rPr lang="en-US" smtClean="0"/>
-              <a:t>7/11/2021</a:t>
+              <a:t>6/15/2022</a:t>
             </a:fld>
             <a:endParaRPr lang="en-US" dirty="0"/>
           </a:p>
@@ -617,7 +617,7 @@
           <a:p>
             <a:fld id="{11F1B079-7EF0-44EE-B798-BCC497C9F3B2}" type="datetime1">
               <a:rPr lang="en-US" smtClean="0"/>
-              <a:t>7/11/2021</a:t>
+              <a:t>6/15/2022</a:t>
             </a:fld>
             <a:endParaRPr lang="en-US" dirty="0"/>
           </a:p>
@@ -811,7 +811,7 @@
           <a:p>
             <a:fld id="{28FF70A8-1D13-4657-95F0-A9EA54967B8D}" type="datetime1">
               <a:rPr lang="en-US" smtClean="0"/>
-              <a:t>7/11/2021</a:t>
+              <a:t>6/15/2022</a:t>
             </a:fld>
             <a:endParaRPr lang="en-US" dirty="0"/>
           </a:p>
@@ -1074,7 +1074,7 @@
           <a:p>
             <a:fld id="{21EB90AC-71BD-4C7F-8ACA-7B3F18292E63}" type="datetime1">
               <a:rPr lang="en-US" smtClean="0"/>
-              <a:t>7/11/2021</a:t>
+              <a:t>6/15/2022</a:t>
             </a:fld>
             <a:endParaRPr lang="en-US" dirty="0"/>
           </a:p>
@@ -1510,7 +1510,7 @@
           <a:p>
             <a:fld id="{4E6EFC2C-8905-46F0-B443-CE905B76BA01}" type="datetime1">
               <a:rPr lang="en-US" smtClean="0"/>
-              <a:t>7/11/2021</a:t>
+              <a:t>6/15/2022</a:t>
             </a:fld>
             <a:endParaRPr lang="en-US" dirty="0"/>
           </a:p>
@@ -2047,7 +2047,7 @@
           <a:p>
             <a:fld id="{D9079DC3-C9B5-499E-9140-0DC28B7074E2}" type="datetime1">
               <a:rPr lang="en-US" smtClean="0"/>
-              <a:t>7/11/2021</a:t>
+              <a:t>6/15/2022</a:t>
             </a:fld>
             <a:endParaRPr lang="en-US" dirty="0"/>
           </a:p>
@@ -2929,7 +2929,7 @@
           <a:p>
             <a:fld id="{30BB33EA-E472-4D22-9C03-A9C14AA21CED}" type="datetime1">
               <a:rPr lang="en-US" smtClean="0"/>
-              <a:t>7/11/2021</a:t>
+              <a:t>6/15/2022</a:t>
             </a:fld>
             <a:endParaRPr lang="en-US" dirty="0"/>
           </a:p>
@@ -3099,7 +3099,7 @@
           <a:p>
             <a:fld id="{217E833E-1B6D-415F-AD29-75AE8C43BD0D}" type="datetime1">
               <a:rPr lang="en-US" smtClean="0"/>
-              <a:t>7/11/2021</a:t>
+              <a:t>6/15/2022</a:t>
             </a:fld>
             <a:endParaRPr lang="en-US" dirty="0"/>
           </a:p>
@@ -3283,7 +3283,7 @@
           <a:p>
             <a:fld id="{8452596F-08A7-4B70-989A-F2B1CF31E66B}" type="datetime1">
               <a:rPr lang="en-US" smtClean="0"/>
-              <a:t>7/11/2021</a:t>
+              <a:t>6/15/2022</a:t>
             </a:fld>
             <a:endParaRPr lang="en-US" dirty="0"/>
           </a:p>
@@ -3453,7 +3453,7 @@
           <a:p>
             <a:fld id="{73C55A3C-5767-4844-A0A3-83778C2E5409}" type="datetime1">
               <a:rPr lang="en-US" smtClean="0"/>
-              <a:t>7/11/2021</a:t>
+              <a:t>6/15/2022</a:t>
             </a:fld>
             <a:endParaRPr lang="en-US" dirty="0"/>
           </a:p>
@@ -3697,7 +3697,7 @@
           <a:p>
             <a:fld id="{CAE507A8-A5CF-4D38-AB86-7EDDA87A85D4}" type="datetime1">
               <a:rPr lang="en-US" smtClean="0"/>
-              <a:t>7/11/2021</a:t>
+              <a:t>6/15/2022</a:t>
             </a:fld>
             <a:endParaRPr lang="en-US" dirty="0"/>
           </a:p>
@@ -3939,7 +3939,7 @@
           <a:p>
             <a:fld id="{BDFCD27C-8599-43EF-BA1D-14DDC1946E06}" type="datetime1">
               <a:rPr lang="en-US" smtClean="0"/>
-              <a:t>7/11/2021</a:t>
+              <a:t>6/15/2022</a:t>
             </a:fld>
             <a:endParaRPr lang="en-US" dirty="0"/>
           </a:p>
@@ -4420,7 +4420,7 @@
           <a:p>
             <a:fld id="{49343D99-809A-49C0-96E5-4250D0B498EE}" type="datetime1">
               <a:rPr lang="en-US" smtClean="0"/>
-              <a:t>7/11/2021</a:t>
+              <a:t>6/15/2022</a:t>
             </a:fld>
             <a:endParaRPr lang="en-US" dirty="0"/>
           </a:p>
@@ -4538,7 +4538,7 @@
           <a:p>
             <a:fld id="{A143DE9B-B678-4EFB-BB7D-A4370204A0B0}" type="datetime1">
               <a:rPr lang="en-US" smtClean="0"/>
-              <a:t>7/11/2021</a:t>
+              <a:t>6/15/2022</a:t>
             </a:fld>
             <a:endParaRPr lang="en-US" dirty="0"/>
           </a:p>
@@ -4633,7 +4633,7 @@
           <a:p>
             <a:fld id="{E68812DA-F765-4142-A6A3-A8ED7235E082}" type="datetime1">
               <a:rPr lang="en-US" smtClean="0"/>
-              <a:t>7/11/2021</a:t>
+              <a:t>6/15/2022</a:t>
             </a:fld>
             <a:endParaRPr lang="en-US" dirty="0"/>
           </a:p>
@@ -4888,7 +4888,7 @@
           <a:p>
             <a:fld id="{3E0277FD-7DE6-41D4-930D-AC99F5AFE54E}" type="datetime1">
               <a:rPr lang="en-US" smtClean="0"/>
-              <a:t>7/11/2021</a:t>
+              <a:t>6/15/2022</a:t>
             </a:fld>
             <a:endParaRPr lang="en-US" dirty="0"/>
           </a:p>
@@ -5195,7 +5195,7 @@
           <a:p>
             <a:fld id="{9EA15526-7079-4B7B-987C-1B5FAE11A0FF}" type="datetime1">
               <a:rPr lang="en-US" smtClean="0"/>
-              <a:t>7/11/2021</a:t>
+              <a:t>6/15/2022</a:t>
             </a:fld>
             <a:endParaRPr lang="en-US" dirty="0"/>
           </a:p>
@@ -5430,7 +5430,7 @@
           <a:p>
             <a:fld id="{073ED0CC-082F-4160-86E5-0D6041F12778}" type="datetime1">
               <a:rPr lang="en-US" smtClean="0"/>
-              <a:t>7/11/2021</a:t>
+              <a:t>6/15/2022</a:t>
             </a:fld>
             <a:endParaRPr lang="en-US" dirty="0"/>
           </a:p>
@@ -6353,7 +6353,7 @@
           </a:effectLst>
           <a:extLst>
             <a:ext uri="{91240B29-F687-4f45-9708-019B960494DF}">
-              <a14:hiddenLine xmlns:a14="http://schemas.microsoft.com/office/drawing/2010/main" xmlns:p14="http://schemas.microsoft.com/office/powerpoint/2010/main" xmlns:a16="http://schemas.microsoft.com/office/drawing/2014/main" xmlns="" w="9525">
+              <a14:hiddenLine xmlns="" xmlns:a16="http://schemas.microsoft.com/office/drawing/2014/main" xmlns:p14="http://schemas.microsoft.com/office/powerpoint/2010/main" xmlns:a14="http://schemas.microsoft.com/office/drawing/2010/main" w="9525">
                 <a:solidFill>
                   <a:srgbClr val="000000"/>
                 </a:solidFill>
@@ -7381,7 +7381,9 @@
           </a:xfrm>
         </p:spPr>
         <p:txBody>
-          <a:bodyPr/>
+          <a:bodyPr>
+            <a:normAutofit lnSpcReduction="10000"/>
+          </a:bodyPr>
           <a:lstStyle/>
           <a:p>
             <a:r>
@@ -7658,6 +7660,47 @@
                 <a:latin typeface="urw-din"/>
               </a:rPr>
               <a:t> fails. As a result T is incomplete. </a:t>
+            </a:r>
+          </a:p>
+          <a:p>
+            <a:endParaRPr lang="en-US" dirty="0">
+              <a:solidFill>
+                <a:srgbClr val="273239"/>
+              </a:solidFill>
+              <a:effectLst/>
+              <a:highlight>
+                <a:srgbClr val="FFFF00"/>
+              </a:highlight>
+              <a:latin typeface="urw-din"/>
+            </a:endParaRPr>
+          </a:p>
+          <a:p>
+            <a:r>
+              <a:rPr lang="en-US" dirty="0">
+                <a:solidFill>
+                  <a:srgbClr val="273239"/>
+                </a:solidFill>
+                <a:effectLst/>
+                <a:highlight>
+                  <a:srgbClr val="FFFF00"/>
+                </a:highlight>
+                <a:latin typeface="urw-din"/>
+              </a:rPr>
+              <a:t>See example: </a:t>
+            </a:r>
+            <a:r>
+              <a:rPr lang="en-US" dirty="0">
+                <a:solidFill>
+                  <a:srgbClr val="273239"/>
+                </a:solidFill>
+                <a:effectLst/>
+                <a:highlight>
+                  <a:srgbClr val="FFFF00"/>
+                </a:highlight>
+                <a:latin typeface="urw-din"/>
+                <a:hlinkClick r:id="rId2"/>
+              </a:rPr>
+              <a:t>Acid Properties</a:t>
             </a:r>
             <a:endParaRPr lang="en-IN" dirty="0">
               <a:highlight>
